--- a/Machine Learning Part III.pptx
+++ b/Machine Learning Part III.pptx
@@ -125,6 +125,11 @@
       </a:defRPr>
     </a:lvl9pPr>
   </p:defaultTextStyle>
+  <p:extLst>
+    <p:ext uri="{EFAFB233-063F-42B5-8137-9DF3F51BA10A}">
+      <p15:sldGuideLst xmlns:p15="http://schemas.microsoft.com/office/powerpoint/2012/main"/>
+    </p:ext>
+  </p:extLst>
 </p:presentation>
 </file>
 
@@ -275,7 +280,7 @@
           <a:p>
             <a:fld id="{0BE23739-F5CF-48AA-8914-D047B2FDD69E}" type="datetimeFigureOut">
               <a:rPr lang="en-US" smtClean="0"/>
-              <a:t>4/4/2020</a:t>
+              <a:t>11/4/2020</a:t>
             </a:fld>
             <a:endParaRPr lang="en-US"/>
           </a:p>
@@ -473,7 +478,7 @@
           <a:p>
             <a:fld id="{0BE23739-F5CF-48AA-8914-D047B2FDD69E}" type="datetimeFigureOut">
               <a:rPr lang="en-US" smtClean="0"/>
-              <a:t>4/4/2020</a:t>
+              <a:t>11/4/2020</a:t>
             </a:fld>
             <a:endParaRPr lang="en-US"/>
           </a:p>
@@ -681,7 +686,7 @@
           <a:p>
             <a:fld id="{0BE23739-F5CF-48AA-8914-D047B2FDD69E}" type="datetimeFigureOut">
               <a:rPr lang="en-US" smtClean="0"/>
-              <a:t>4/4/2020</a:t>
+              <a:t>11/4/2020</a:t>
             </a:fld>
             <a:endParaRPr lang="en-US"/>
           </a:p>
@@ -879,7 +884,7 @@
           <a:p>
             <a:fld id="{0BE23739-F5CF-48AA-8914-D047B2FDD69E}" type="datetimeFigureOut">
               <a:rPr lang="en-US" smtClean="0"/>
-              <a:t>4/4/2020</a:t>
+              <a:t>11/4/2020</a:t>
             </a:fld>
             <a:endParaRPr lang="en-US"/>
           </a:p>
@@ -1154,7 +1159,7 @@
           <a:p>
             <a:fld id="{0BE23739-F5CF-48AA-8914-D047B2FDD69E}" type="datetimeFigureOut">
               <a:rPr lang="en-US" smtClean="0"/>
-              <a:t>4/4/2020</a:t>
+              <a:t>11/4/2020</a:t>
             </a:fld>
             <a:endParaRPr lang="en-US"/>
           </a:p>
@@ -1419,7 +1424,7 @@
           <a:p>
             <a:fld id="{0BE23739-F5CF-48AA-8914-D047B2FDD69E}" type="datetimeFigureOut">
               <a:rPr lang="en-US" smtClean="0"/>
-              <a:t>4/4/2020</a:t>
+              <a:t>11/4/2020</a:t>
             </a:fld>
             <a:endParaRPr lang="en-US"/>
           </a:p>
@@ -1831,7 +1836,7 @@
           <a:p>
             <a:fld id="{0BE23739-F5CF-48AA-8914-D047B2FDD69E}" type="datetimeFigureOut">
               <a:rPr lang="en-US" smtClean="0"/>
-              <a:t>4/4/2020</a:t>
+              <a:t>11/4/2020</a:t>
             </a:fld>
             <a:endParaRPr lang="en-US"/>
           </a:p>
@@ -1972,7 +1977,7 @@
           <a:p>
             <a:fld id="{0BE23739-F5CF-48AA-8914-D047B2FDD69E}" type="datetimeFigureOut">
               <a:rPr lang="en-US" smtClean="0"/>
-              <a:t>4/4/2020</a:t>
+              <a:t>11/4/2020</a:t>
             </a:fld>
             <a:endParaRPr lang="en-US"/>
           </a:p>
@@ -2085,7 +2090,7 @@
           <a:p>
             <a:fld id="{0BE23739-F5CF-48AA-8914-D047B2FDD69E}" type="datetimeFigureOut">
               <a:rPr lang="en-US" smtClean="0"/>
-              <a:t>4/4/2020</a:t>
+              <a:t>11/4/2020</a:t>
             </a:fld>
             <a:endParaRPr lang="en-US"/>
           </a:p>
@@ -2396,7 +2401,7 @@
           <a:p>
             <a:fld id="{0BE23739-F5CF-48AA-8914-D047B2FDD69E}" type="datetimeFigureOut">
               <a:rPr lang="en-US" smtClean="0"/>
-              <a:t>4/4/2020</a:t>
+              <a:t>11/4/2020</a:t>
             </a:fld>
             <a:endParaRPr lang="en-US"/>
           </a:p>
@@ -2684,7 +2689,7 @@
           <a:p>
             <a:fld id="{0BE23739-F5CF-48AA-8914-D047B2FDD69E}" type="datetimeFigureOut">
               <a:rPr lang="en-US" smtClean="0"/>
-              <a:t>4/4/2020</a:t>
+              <a:t>11/4/2020</a:t>
             </a:fld>
             <a:endParaRPr lang="en-US"/>
           </a:p>
@@ -2925,7 +2930,7 @@
           <a:p>
             <a:fld id="{0BE23739-F5CF-48AA-8914-D047B2FDD69E}" type="datetimeFigureOut">
               <a:rPr lang="en-US" smtClean="0"/>
-              <a:t>4/4/2020</a:t>
+              <a:t>11/4/2020</a:t>
             </a:fld>
             <a:endParaRPr lang="en-US"/>
           </a:p>
